--- a/Python_Kids_Ch4.pptx
+++ b/Python_Kids_Ch4.pptx
@@ -5,7 +5,7 @@
     <p:sldMasterId id="2147483676" r:id="rId1"/>
   </p:sldMasterIdLst>
   <p:notesMasterIdLst>
-    <p:notesMasterId r:id="rId28"/>
+    <p:notesMasterId r:id="rId29"/>
   </p:notesMasterIdLst>
   <p:sldIdLst>
     <p:sldId id="256" r:id="rId2"/>
@@ -24,43 +24,44 @@
     <p:sldId id="359" r:id="rId15"/>
     <p:sldId id="360" r:id="rId16"/>
     <p:sldId id="361" r:id="rId17"/>
-    <p:sldId id="352" r:id="rId18"/>
-    <p:sldId id="353" r:id="rId19"/>
-    <p:sldId id="362" r:id="rId20"/>
-    <p:sldId id="354" r:id="rId21"/>
-    <p:sldId id="355" r:id="rId22"/>
-    <p:sldId id="356" r:id="rId23"/>
-    <p:sldId id="357" r:id="rId24"/>
-    <p:sldId id="358" r:id="rId25"/>
-    <p:sldId id="363" r:id="rId26"/>
-    <p:sldId id="331" r:id="rId27"/>
+    <p:sldId id="364" r:id="rId18"/>
+    <p:sldId id="352" r:id="rId19"/>
+    <p:sldId id="353" r:id="rId20"/>
+    <p:sldId id="362" r:id="rId21"/>
+    <p:sldId id="354" r:id="rId22"/>
+    <p:sldId id="355" r:id="rId23"/>
+    <p:sldId id="356" r:id="rId24"/>
+    <p:sldId id="357" r:id="rId25"/>
+    <p:sldId id="358" r:id="rId26"/>
+    <p:sldId id="363" r:id="rId27"/>
+    <p:sldId id="331" r:id="rId28"/>
   </p:sldIdLst>
   <p:sldSz cx="9144000" cy="5143500" type="screen16x9"/>
   <p:notesSz cx="6858000" cy="9144000"/>
   <p:embeddedFontLst>
     <p:embeddedFont>
-      <p:font typeface="Quicksand" panose="020B0604020202020204" charset="0"/>
-      <p:regular r:id="rId29"/>
-      <p:bold r:id="rId30"/>
+      <p:font typeface="DM Sans" panose="020B0604020202020204" charset="0"/>
+      <p:regular r:id="rId30"/>
+      <p:bold r:id="rId31"/>
+      <p:italic r:id="rId32"/>
+      <p:boldItalic r:id="rId33"/>
     </p:embeddedFont>
     <p:embeddedFont>
-      <p:font typeface="DM Sans" panose="020B0604020202020204" charset="0"/>
-      <p:regular r:id="rId31"/>
-      <p:bold r:id="rId32"/>
-      <p:italic r:id="rId33"/>
-      <p:boldItalic r:id="rId34"/>
+      <p:font typeface="Quicksand" panose="020B0604020202020204" charset="0"/>
+      <p:regular r:id="rId34"/>
+      <p:bold r:id="rId35"/>
     </p:embeddedFont>
     <p:embeddedFont>
       <p:font typeface="Consolas" panose="020B0609020204030204" pitchFamily="49" charset="0"/>
-      <p:regular r:id="rId35"/>
-      <p:bold r:id="rId36"/>
-      <p:italic r:id="rId37"/>
-      <p:boldItalic r:id="rId38"/>
+      <p:regular r:id="rId36"/>
+      <p:bold r:id="rId37"/>
+      <p:italic r:id="rId38"/>
+      <p:boldItalic r:id="rId39"/>
     </p:embeddedFont>
     <p:embeddedFont>
       <p:font typeface="Calibri Light" panose="020F0302020204030204" pitchFamily="34" charset="0"/>
-      <p:regular r:id="rId39"/>
-      <p:italic r:id="rId40"/>
+      <p:regular r:id="rId40"/>
+      <p:italic r:id="rId41"/>
     </p:embeddedFont>
   </p:embeddedFontLst>
   <p:defaultTextStyle>
@@ -27369,7 +27370,7 @@
         </p:nvSpPr>
         <p:spPr>
           <a:xfrm>
-            <a:off x="4133531" y="2232119"/>
+            <a:off x="4200657" y="2226065"/>
             <a:ext cx="849628" cy="260195"/>
           </a:xfrm>
           <a:prstGeom prst="rightArrow">
@@ -27426,7 +27427,7 @@
         </p:blipFill>
         <p:spPr>
           <a:xfrm>
-            <a:off x="261795" y="1651857"/>
+            <a:off x="315580" y="1682281"/>
             <a:ext cx="3817951" cy="1607959"/>
           </a:xfrm>
           <a:prstGeom prst="rect">
@@ -32201,6 +32202,174 @@
         </p:nvSpPr>
         <p:spPr>
           <a:xfrm>
+            <a:off x="520684" y="458453"/>
+            <a:ext cx="7608849" cy="572700"/>
+          </a:xfrm>
+        </p:spPr>
+        <p:txBody>
+          <a:bodyPr/>
+          <a:lstStyle/>
+          <a:p>
+            <a:pPr algn="ctr"/>
+            <a:r>
+              <a:rPr lang="en-US" dirty="0" smtClean="0"/>
+              <a:t>Assignment 1</a:t>
+            </a:r>
+            <a:endParaRPr lang="en-US" dirty="0"/>
+          </a:p>
+        </p:txBody>
+      </p:sp>
+      <p:pic>
+        <p:nvPicPr>
+          <p:cNvPr id="4" name="Picture 3" descr="A blue and orange logo&#10;&#10;Description automatically generated">
+            <a:extLst>
+              <a:ext uri="{FF2B5EF4-FFF2-40B4-BE49-F238E27FC236}">
+                <a16:creationId xmlns:a16="http://schemas.microsoft.com/office/drawing/2014/main" id="{35222019-FFC7-FD7E-3D4E-687EB126B813}"/>
+              </a:ext>
+            </a:extLst>
+          </p:cNvPr>
+          <p:cNvPicPr>
+            <a:picLocks noChangeAspect="1"/>
+          </p:cNvPicPr>
+          <p:nvPr/>
+        </p:nvPicPr>
+        <p:blipFill>
+          <a:blip r:embed="rId2" cstate="print">
+            <a:extLst>
+              <a:ext uri="{28A0092B-C50C-407E-A947-70E740481C1C}">
+                <a14:useLocalDpi xmlns:a14="http://schemas.microsoft.com/office/drawing/2010/main" val="0"/>
+              </a:ext>
+            </a:extLst>
+          </a:blip>
+          <a:stretch>
+            <a:fillRect/>
+          </a:stretch>
+        </p:blipFill>
+        <p:spPr>
+          <a:xfrm>
+            <a:off x="7921253" y="563497"/>
+            <a:ext cx="935312" cy="935312"/>
+          </a:xfrm>
+          <a:prstGeom prst="rect">
+            <a:avLst/>
+          </a:prstGeom>
+        </p:spPr>
+      </p:pic>
+      <p:sp>
+        <p:nvSpPr>
+          <p:cNvPr id="3" name="TextBox 2"/>
+          <p:cNvSpPr txBox="1"/>
+          <p:nvPr/>
+        </p:nvSpPr>
+        <p:spPr>
+          <a:xfrm>
+            <a:off x="1281659" y="1933731"/>
+            <a:ext cx="3140439" cy="1061829"/>
+          </a:xfrm>
+          <a:prstGeom prst="rect">
+            <a:avLst/>
+          </a:prstGeom>
+          <a:noFill/>
+        </p:spPr>
+        <p:txBody>
+          <a:bodyPr wrap="square" rtlCol="0">
+            <a:spAutoFit/>
+          </a:bodyPr>
+          <a:lstStyle/>
+          <a:p>
+            <a:pPr>
+              <a:lnSpc>
+                <a:spcPct val="150000"/>
+              </a:lnSpc>
+            </a:pPr>
+            <a:r>
+              <a:rPr lang="en-US" dirty="0" smtClean="0"/>
+              <a:t>Write a </a:t>
+            </a:r>
+            <a:r>
+              <a:rPr lang="en-US" dirty="0"/>
+              <a:t>program that uses a for loop to create a multiplication </a:t>
+            </a:r>
+            <a:r>
+              <a:rPr lang="en-US" dirty="0" smtClean="0"/>
+              <a:t>table, using specific number:</a:t>
+            </a:r>
+            <a:endParaRPr lang="en-US" dirty="0"/>
+          </a:p>
+        </p:txBody>
+      </p:sp>
+      <p:pic>
+        <p:nvPicPr>
+          <p:cNvPr id="5" name="Picture 4"/>
+          <p:cNvPicPr>
+            <a:picLocks noChangeAspect="1"/>
+          </p:cNvPicPr>
+          <p:nvPr/>
+        </p:nvPicPr>
+        <p:blipFill>
+          <a:blip r:embed="rId3"/>
+          <a:stretch>
+            <a:fillRect/>
+          </a:stretch>
+        </p:blipFill>
+        <p:spPr>
+          <a:xfrm>
+            <a:off x="4920459" y="1818689"/>
+            <a:ext cx="3000794" cy="2810267"/>
+          </a:xfrm>
+          <a:prstGeom prst="rect">
+            <a:avLst/>
+          </a:prstGeom>
+        </p:spPr>
+      </p:pic>
+    </p:spTree>
+    <p:extLst>
+      <p:ext uri="{BB962C8B-B14F-4D97-AF65-F5344CB8AC3E}">
+        <p14:creationId xmlns:p14="http://schemas.microsoft.com/office/powerpoint/2010/main" val="768172987"/>
+      </p:ext>
+    </p:extLst>
+  </p:cSld>
+  <p:clrMapOvr>
+    <a:masterClrMapping/>
+  </p:clrMapOvr>
+</p:sld>
+</file>
+
+<file path=ppt/slides/slide18.xml><?xml version="1.0" encoding="utf-8"?>
+<p:sld xmlns:a="http://schemas.openxmlformats.org/drawingml/2006/main" xmlns:r="http://schemas.openxmlformats.org/officeDocument/2006/relationships" xmlns:p="http://schemas.openxmlformats.org/presentationml/2006/main">
+  <p:cSld>
+    <p:spTree>
+      <p:nvGrpSpPr>
+        <p:cNvPr id="1" name=""/>
+        <p:cNvGrpSpPr/>
+        <p:nvPr/>
+      </p:nvGrpSpPr>
+      <p:grpSpPr>
+        <a:xfrm>
+          <a:off x="0" y="0"/>
+          <a:ext cx="0" cy="0"/>
+          <a:chOff x="0" y="0"/>
+          <a:chExt cx="0" cy="0"/>
+        </a:xfrm>
+      </p:grpSpPr>
+      <p:sp>
+        <p:nvSpPr>
+          <p:cNvPr id="2" name="Title 1">
+            <a:extLst>
+              <a:ext uri="{FF2B5EF4-FFF2-40B4-BE49-F238E27FC236}">
+                <a16:creationId xmlns:a16="http://schemas.microsoft.com/office/drawing/2014/main" id="{732DB22B-0F48-0F04-179B-D49D2178A961}"/>
+              </a:ext>
+            </a:extLst>
+          </p:cNvPr>
+          <p:cNvSpPr>
+            <a:spLocks noGrp="1"/>
+          </p:cNvSpPr>
+          <p:nvPr>
+            <p:ph type="title"/>
+          </p:nvPr>
+        </p:nvSpPr>
+        <p:spPr>
+          <a:xfrm>
             <a:off x="263912" y="487846"/>
             <a:ext cx="8616176" cy="572700"/>
           </a:xfrm>
@@ -32509,7 +32678,7 @@
 </p:sld>
 </file>
 
-<file path=ppt/slides/slide18.xml><?xml version="1.0" encoding="utf-8"?>
+<file path=ppt/slides/slide19.xml><?xml version="1.0" encoding="utf-8"?>
 <p:sld xmlns:a="http://schemas.openxmlformats.org/drawingml/2006/main" xmlns:r="http://schemas.openxmlformats.org/officeDocument/2006/relationships" xmlns:p="http://schemas.openxmlformats.org/presentationml/2006/main">
   <p:cSld>
     <p:spTree>
@@ -32837,195 +33006,6 @@
 </p:sld>
 </file>
 
-<file path=ppt/slides/slide19.xml><?xml version="1.0" encoding="utf-8"?>
-<p:sld xmlns:a="http://schemas.openxmlformats.org/drawingml/2006/main" xmlns:r="http://schemas.openxmlformats.org/officeDocument/2006/relationships" xmlns:p="http://schemas.openxmlformats.org/presentationml/2006/main">
-  <p:cSld>
-    <p:spTree>
-      <p:nvGrpSpPr>
-        <p:cNvPr id="1" name=""/>
-        <p:cNvGrpSpPr/>
-        <p:nvPr/>
-      </p:nvGrpSpPr>
-      <p:grpSpPr>
-        <a:xfrm>
-          <a:off x="0" y="0"/>
-          <a:ext cx="0" cy="0"/>
-          <a:chOff x="0" y="0"/>
-          <a:chExt cx="0" cy="0"/>
-        </a:xfrm>
-      </p:grpSpPr>
-      <p:pic>
-        <p:nvPicPr>
-          <p:cNvPr id="4" name="Picture 3" descr="A blue and orange logo&#10;&#10;Description automatically generated">
-            <a:extLst>
-              <a:ext uri="{FF2B5EF4-FFF2-40B4-BE49-F238E27FC236}">
-                <a16:creationId xmlns:a16="http://schemas.microsoft.com/office/drawing/2014/main" id="{35222019-FFC7-FD7E-3D4E-687EB126B813}"/>
-              </a:ext>
-            </a:extLst>
-          </p:cNvPr>
-          <p:cNvPicPr>
-            <a:picLocks noChangeAspect="1"/>
-          </p:cNvPicPr>
-          <p:nvPr/>
-        </p:nvPicPr>
-        <p:blipFill>
-          <a:blip r:embed="rId2" cstate="print">
-            <a:extLst>
-              <a:ext uri="{28A0092B-C50C-407E-A947-70E740481C1C}">
-                <a14:useLocalDpi xmlns:a14="http://schemas.microsoft.com/office/drawing/2010/main" val="0"/>
-              </a:ext>
-            </a:extLst>
-          </a:blip>
-          <a:stretch>
-            <a:fillRect/>
-          </a:stretch>
-        </p:blipFill>
-        <p:spPr>
-          <a:xfrm>
-            <a:off x="7921253" y="563497"/>
-            <a:ext cx="935312" cy="935312"/>
-          </a:xfrm>
-          <a:prstGeom prst="rect">
-            <a:avLst/>
-          </a:prstGeom>
-        </p:spPr>
-      </p:pic>
-      <p:sp>
-        <p:nvSpPr>
-          <p:cNvPr id="20" name="Arrow: Right 19">
-            <a:extLst>
-              <a:ext uri="{FF2B5EF4-FFF2-40B4-BE49-F238E27FC236}">
-                <a16:creationId xmlns:a16="http://schemas.microsoft.com/office/drawing/2014/main" id="{63A74EAF-B960-61EA-B1F2-5B9B5BD749D6}"/>
-              </a:ext>
-            </a:extLst>
-          </p:cNvPr>
-          <p:cNvSpPr/>
-          <p:nvPr/>
-        </p:nvSpPr>
-        <p:spPr>
-          <a:xfrm>
-            <a:off x="3627864" y="2163032"/>
-            <a:ext cx="1017679" cy="223024"/>
-          </a:xfrm>
-          <a:prstGeom prst="rightArrow">
-            <a:avLst/>
-          </a:prstGeom>
-          <a:solidFill>
-            <a:srgbClr val="FF0000"/>
-          </a:solidFill>
-          <a:ln>
-            <a:solidFill>
-              <a:schemeClr val="tx1"/>
-            </a:solidFill>
-          </a:ln>
-        </p:spPr>
-        <p:style>
-          <a:lnRef idx="2">
-            <a:schemeClr val="accent1">
-              <a:shade val="15000"/>
-            </a:schemeClr>
-          </a:lnRef>
-          <a:fillRef idx="1">
-            <a:schemeClr val="accent1"/>
-          </a:fillRef>
-          <a:effectRef idx="0">
-            <a:schemeClr val="accent1"/>
-          </a:effectRef>
-          <a:fontRef idx="minor">
-            <a:schemeClr val="lt1"/>
-          </a:fontRef>
-        </p:style>
-        <p:txBody>
-          <a:bodyPr rtlCol="0" anchor="ctr"/>
-          <a:lstStyle/>
-          <a:p>
-            <a:pPr algn="ctr"/>
-            <a:endParaRPr lang="en-US"/>
-          </a:p>
-        </p:txBody>
-      </p:sp>
-      <p:sp>
-        <p:nvSpPr>
-          <p:cNvPr id="22" name="TextBox 21">
-            <a:extLst>
-              <a:ext uri="{FF2B5EF4-FFF2-40B4-BE49-F238E27FC236}">
-                <a16:creationId xmlns:a16="http://schemas.microsoft.com/office/drawing/2014/main" id="{2333808F-38E3-2811-084F-76B37E1DED80}"/>
-              </a:ext>
-            </a:extLst>
-          </p:cNvPr>
-          <p:cNvSpPr txBox="1"/>
-          <p:nvPr/>
-        </p:nvSpPr>
-        <p:spPr>
-          <a:xfrm>
-            <a:off x="3397695" y="1019662"/>
-            <a:ext cx="2925336" cy="369332"/>
-          </a:xfrm>
-          <a:prstGeom prst="rect">
-            <a:avLst/>
-          </a:prstGeom>
-          <a:noFill/>
-        </p:spPr>
-        <p:txBody>
-          <a:bodyPr wrap="square" rtlCol="0">
-            <a:spAutoFit/>
-          </a:bodyPr>
-          <a:lstStyle/>
-          <a:p>
-            <a:r>
-              <a:rPr lang="en-US" sz="1800" b="1" dirty="0">
-                <a:solidFill>
-                  <a:srgbClr val="FF0000"/>
-                </a:solidFill>
-              </a:rPr>
-              <a:t>Input() function</a:t>
-            </a:r>
-          </a:p>
-        </p:txBody>
-      </p:sp>
-      <p:pic>
-        <p:nvPicPr>
-          <p:cNvPr id="3" name="Picture 2">
-            <a:extLst>
-              <a:ext uri="{FF2B5EF4-FFF2-40B4-BE49-F238E27FC236}">
-                <a16:creationId xmlns:a16="http://schemas.microsoft.com/office/drawing/2014/main" id="{C65C3CF6-67F4-23CE-E3E6-E28167AE9833}"/>
-              </a:ext>
-            </a:extLst>
-          </p:cNvPr>
-          <p:cNvPicPr>
-            <a:picLocks noChangeAspect="1"/>
-          </p:cNvPicPr>
-          <p:nvPr/>
-        </p:nvPicPr>
-        <p:blipFill>
-          <a:blip r:embed="rId3"/>
-          <a:stretch>
-            <a:fillRect/>
-          </a:stretch>
-        </p:blipFill>
-        <p:spPr>
-          <a:xfrm>
-            <a:off x="2391484" y="1818566"/>
-            <a:ext cx="3879798" cy="976208"/>
-          </a:xfrm>
-          <a:prstGeom prst="rect">
-            <a:avLst/>
-          </a:prstGeom>
-        </p:spPr>
-      </p:pic>
-    </p:spTree>
-    <p:extLst>
-      <p:ext uri="{BB962C8B-B14F-4D97-AF65-F5344CB8AC3E}">
-        <p14:creationId xmlns:p14="http://schemas.microsoft.com/office/powerpoint/2010/main" val="1291728614"/>
-      </p:ext>
-    </p:extLst>
-  </p:cSld>
-  <p:clrMapOvr>
-    <a:masterClrMapping/>
-  </p:clrMapOvr>
-</p:sld>
-</file>
-
 <file path=ppt/slides/slide2.xml><?xml version="1.0" encoding="utf-8"?>
 <p:sld xmlns:a="http://schemas.openxmlformats.org/drawingml/2006/main" xmlns:r="http://schemas.openxmlformats.org/officeDocument/2006/relationships" xmlns:p="http://schemas.openxmlformats.org/presentationml/2006/main">
   <p:cSld>
@@ -33283,6 +33263,195 @@
 </file>
 
 <file path=ppt/slides/slide20.xml><?xml version="1.0" encoding="utf-8"?>
+<p:sld xmlns:a="http://schemas.openxmlformats.org/drawingml/2006/main" xmlns:r="http://schemas.openxmlformats.org/officeDocument/2006/relationships" xmlns:p="http://schemas.openxmlformats.org/presentationml/2006/main">
+  <p:cSld>
+    <p:spTree>
+      <p:nvGrpSpPr>
+        <p:cNvPr id="1" name=""/>
+        <p:cNvGrpSpPr/>
+        <p:nvPr/>
+      </p:nvGrpSpPr>
+      <p:grpSpPr>
+        <a:xfrm>
+          <a:off x="0" y="0"/>
+          <a:ext cx="0" cy="0"/>
+          <a:chOff x="0" y="0"/>
+          <a:chExt cx="0" cy="0"/>
+        </a:xfrm>
+      </p:grpSpPr>
+      <p:pic>
+        <p:nvPicPr>
+          <p:cNvPr id="4" name="Picture 3" descr="A blue and orange logo&#10;&#10;Description automatically generated">
+            <a:extLst>
+              <a:ext uri="{FF2B5EF4-FFF2-40B4-BE49-F238E27FC236}">
+                <a16:creationId xmlns:a16="http://schemas.microsoft.com/office/drawing/2014/main" id="{35222019-FFC7-FD7E-3D4E-687EB126B813}"/>
+              </a:ext>
+            </a:extLst>
+          </p:cNvPr>
+          <p:cNvPicPr>
+            <a:picLocks noChangeAspect="1"/>
+          </p:cNvPicPr>
+          <p:nvPr/>
+        </p:nvPicPr>
+        <p:blipFill>
+          <a:blip r:embed="rId2" cstate="print">
+            <a:extLst>
+              <a:ext uri="{28A0092B-C50C-407E-A947-70E740481C1C}">
+                <a14:useLocalDpi xmlns:a14="http://schemas.microsoft.com/office/drawing/2010/main" val="0"/>
+              </a:ext>
+            </a:extLst>
+          </a:blip>
+          <a:stretch>
+            <a:fillRect/>
+          </a:stretch>
+        </p:blipFill>
+        <p:spPr>
+          <a:xfrm>
+            <a:off x="7921253" y="563497"/>
+            <a:ext cx="935312" cy="935312"/>
+          </a:xfrm>
+          <a:prstGeom prst="rect">
+            <a:avLst/>
+          </a:prstGeom>
+        </p:spPr>
+      </p:pic>
+      <p:sp>
+        <p:nvSpPr>
+          <p:cNvPr id="20" name="Arrow: Right 19">
+            <a:extLst>
+              <a:ext uri="{FF2B5EF4-FFF2-40B4-BE49-F238E27FC236}">
+                <a16:creationId xmlns:a16="http://schemas.microsoft.com/office/drawing/2014/main" id="{63A74EAF-B960-61EA-B1F2-5B9B5BD749D6}"/>
+              </a:ext>
+            </a:extLst>
+          </p:cNvPr>
+          <p:cNvSpPr/>
+          <p:nvPr/>
+        </p:nvSpPr>
+        <p:spPr>
+          <a:xfrm>
+            <a:off x="3627864" y="2163032"/>
+            <a:ext cx="1017679" cy="223024"/>
+          </a:xfrm>
+          <a:prstGeom prst="rightArrow">
+            <a:avLst/>
+          </a:prstGeom>
+          <a:solidFill>
+            <a:srgbClr val="FF0000"/>
+          </a:solidFill>
+          <a:ln>
+            <a:solidFill>
+              <a:schemeClr val="tx1"/>
+            </a:solidFill>
+          </a:ln>
+        </p:spPr>
+        <p:style>
+          <a:lnRef idx="2">
+            <a:schemeClr val="accent1">
+              <a:shade val="15000"/>
+            </a:schemeClr>
+          </a:lnRef>
+          <a:fillRef idx="1">
+            <a:schemeClr val="accent1"/>
+          </a:fillRef>
+          <a:effectRef idx="0">
+            <a:schemeClr val="accent1"/>
+          </a:effectRef>
+          <a:fontRef idx="minor">
+            <a:schemeClr val="lt1"/>
+          </a:fontRef>
+        </p:style>
+        <p:txBody>
+          <a:bodyPr rtlCol="0" anchor="ctr"/>
+          <a:lstStyle/>
+          <a:p>
+            <a:pPr algn="ctr"/>
+            <a:endParaRPr lang="en-US"/>
+          </a:p>
+        </p:txBody>
+      </p:sp>
+      <p:sp>
+        <p:nvSpPr>
+          <p:cNvPr id="22" name="TextBox 21">
+            <a:extLst>
+              <a:ext uri="{FF2B5EF4-FFF2-40B4-BE49-F238E27FC236}">
+                <a16:creationId xmlns:a16="http://schemas.microsoft.com/office/drawing/2014/main" id="{2333808F-38E3-2811-084F-76B37E1DED80}"/>
+              </a:ext>
+            </a:extLst>
+          </p:cNvPr>
+          <p:cNvSpPr txBox="1"/>
+          <p:nvPr/>
+        </p:nvSpPr>
+        <p:spPr>
+          <a:xfrm>
+            <a:off x="3397695" y="1019662"/>
+            <a:ext cx="2925336" cy="369332"/>
+          </a:xfrm>
+          <a:prstGeom prst="rect">
+            <a:avLst/>
+          </a:prstGeom>
+          <a:noFill/>
+        </p:spPr>
+        <p:txBody>
+          <a:bodyPr wrap="square" rtlCol="0">
+            <a:spAutoFit/>
+          </a:bodyPr>
+          <a:lstStyle/>
+          <a:p>
+            <a:r>
+              <a:rPr lang="en-US" sz="1800" b="1" dirty="0">
+                <a:solidFill>
+                  <a:srgbClr val="FF0000"/>
+                </a:solidFill>
+              </a:rPr>
+              <a:t>Input() function</a:t>
+            </a:r>
+          </a:p>
+        </p:txBody>
+      </p:sp>
+      <p:pic>
+        <p:nvPicPr>
+          <p:cNvPr id="3" name="Picture 2">
+            <a:extLst>
+              <a:ext uri="{FF2B5EF4-FFF2-40B4-BE49-F238E27FC236}">
+                <a16:creationId xmlns:a16="http://schemas.microsoft.com/office/drawing/2014/main" id="{C65C3CF6-67F4-23CE-E3E6-E28167AE9833}"/>
+              </a:ext>
+            </a:extLst>
+          </p:cNvPr>
+          <p:cNvPicPr>
+            <a:picLocks noChangeAspect="1"/>
+          </p:cNvPicPr>
+          <p:nvPr/>
+        </p:nvPicPr>
+        <p:blipFill>
+          <a:blip r:embed="rId3"/>
+          <a:stretch>
+            <a:fillRect/>
+          </a:stretch>
+        </p:blipFill>
+        <p:spPr>
+          <a:xfrm>
+            <a:off x="2391484" y="1818566"/>
+            <a:ext cx="3879798" cy="976208"/>
+          </a:xfrm>
+          <a:prstGeom prst="rect">
+            <a:avLst/>
+          </a:prstGeom>
+        </p:spPr>
+      </p:pic>
+    </p:spTree>
+    <p:extLst>
+      <p:ext uri="{BB962C8B-B14F-4D97-AF65-F5344CB8AC3E}">
+        <p14:creationId xmlns:p14="http://schemas.microsoft.com/office/powerpoint/2010/main" val="1291728614"/>
+      </p:ext>
+    </p:extLst>
+  </p:cSld>
+  <p:clrMapOvr>
+    <a:masterClrMapping/>
+  </p:clrMapOvr>
+</p:sld>
+</file>
+
+<file path=ppt/slides/slide21.xml><?xml version="1.0" encoding="utf-8"?>
 <p:sld xmlns:a="http://schemas.openxmlformats.org/drawingml/2006/main" xmlns:r="http://schemas.openxmlformats.org/officeDocument/2006/relationships" xmlns:p="http://schemas.openxmlformats.org/presentationml/2006/main">
   <p:cSld>
     <p:spTree>
@@ -33645,7 +33814,7 @@
 </p:sld>
 </file>
 
-<file path=ppt/slides/slide21.xml><?xml version="1.0" encoding="utf-8"?>
+<file path=ppt/slides/slide22.xml><?xml version="1.0" encoding="utf-8"?>
 <p:sld xmlns:a="http://schemas.openxmlformats.org/drawingml/2006/main" xmlns:r="http://schemas.openxmlformats.org/officeDocument/2006/relationships" xmlns:p="http://schemas.openxmlformats.org/presentationml/2006/main">
   <p:cSld>
     <p:spTree>
@@ -37658,7 +37827,7 @@
 </p:sld>
 </file>
 
-<file path=ppt/slides/slide22.xml><?xml version="1.0" encoding="utf-8"?>
+<file path=ppt/slides/slide23.xml><?xml version="1.0" encoding="utf-8"?>
 <p:sld xmlns:a="http://schemas.openxmlformats.org/drawingml/2006/main" xmlns:r="http://schemas.openxmlformats.org/officeDocument/2006/relationships" xmlns:p="http://schemas.openxmlformats.org/presentationml/2006/main">
   <p:cSld>
     <p:spTree>
@@ -37907,7 +38076,7 @@
 </p:sld>
 </file>
 
-<file path=ppt/slides/slide23.xml><?xml version="1.0" encoding="utf-8"?>
+<file path=ppt/slides/slide24.xml><?xml version="1.0" encoding="utf-8"?>
 <p:sld xmlns:a="http://schemas.openxmlformats.org/drawingml/2006/main" xmlns:r="http://schemas.openxmlformats.org/officeDocument/2006/relationships" xmlns:p="http://schemas.openxmlformats.org/presentationml/2006/main">
   <p:cSld>
     <p:spTree>
@@ -37962,55 +38131,6 @@
       </p:pic>
       <p:sp>
         <p:nvSpPr>
-          <p:cNvPr id="21" name="Arrow: Right 20">
-            <a:extLst>
-              <a:ext uri="{FF2B5EF4-FFF2-40B4-BE49-F238E27FC236}">
-                <a16:creationId xmlns:a16="http://schemas.microsoft.com/office/drawing/2014/main" id="{BBA0663D-EB1D-DAA6-1C58-1EED50C45C0B}"/>
-              </a:ext>
-            </a:extLst>
-          </p:cNvPr>
-          <p:cNvSpPr/>
-          <p:nvPr/>
-        </p:nvSpPr>
-        <p:spPr>
-          <a:xfrm>
-            <a:off x="6737072" y="3034438"/>
-            <a:ext cx="580041" cy="238692"/>
-          </a:xfrm>
-          <a:prstGeom prst="rightArrow">
-            <a:avLst/>
-          </a:prstGeom>
-          <a:solidFill>
-            <a:srgbClr val="FF0000"/>
-          </a:solidFill>
-        </p:spPr>
-        <p:style>
-          <a:lnRef idx="2">
-            <a:schemeClr val="accent1">
-              <a:shade val="15000"/>
-            </a:schemeClr>
-          </a:lnRef>
-          <a:fillRef idx="1">
-            <a:schemeClr val="accent1"/>
-          </a:fillRef>
-          <a:effectRef idx="0">
-            <a:schemeClr val="accent1"/>
-          </a:effectRef>
-          <a:fontRef idx="minor">
-            <a:schemeClr val="lt1"/>
-          </a:fontRef>
-        </p:style>
-        <p:txBody>
-          <a:bodyPr rtlCol="0" anchor="ctr"/>
-          <a:lstStyle/>
-          <a:p>
-            <a:pPr algn="ctr"/>
-            <a:endParaRPr lang="en-US"/>
-          </a:p>
-        </p:txBody>
-      </p:sp>
-      <p:sp>
-        <p:nvSpPr>
           <p:cNvPr id="2" name="TextBox 1">
             <a:extLst>
               <a:ext uri="{FF2B5EF4-FFF2-40B4-BE49-F238E27FC236}">
@@ -38038,28 +38158,23 @@
           <a:lstStyle/>
           <a:p>
             <a:r>
-              <a:rPr lang="en-US" sz="3000" b="1" dirty="0"/>
-              <a:t>Multiplication Table</a:t>
+              <a:rPr lang="en-US" sz="3000" b="1" dirty="0" smtClean="0"/>
+              <a:t>Assignment</a:t>
             </a:r>
+            <a:endParaRPr lang="en-US" sz="3000" b="1" dirty="0"/>
           </a:p>
         </p:txBody>
       </p:sp>
       <p:sp>
         <p:nvSpPr>
-          <p:cNvPr id="9" name="TextBox 8">
-            <a:extLst>
-              <a:ext uri="{FF2B5EF4-FFF2-40B4-BE49-F238E27FC236}">
-                <a16:creationId xmlns:a16="http://schemas.microsoft.com/office/drawing/2014/main" id="{43CD4445-9463-C94A-AD7B-6E070DCF3BF7}"/>
-              </a:ext>
-            </a:extLst>
-          </p:cNvPr>
+          <p:cNvPr id="3" name="TextBox 2"/>
           <p:cNvSpPr txBox="1"/>
           <p:nvPr/>
         </p:nvSpPr>
         <p:spPr>
           <a:xfrm>
-            <a:off x="916254" y="1466179"/>
-            <a:ext cx="5748390" cy="307777"/>
+            <a:off x="808420" y="1498809"/>
+            <a:ext cx="7451160" cy="3000821"/>
           </a:xfrm>
           <a:prstGeom prst="rect">
             <a:avLst/>
@@ -38072,129 +38187,162 @@
           </a:bodyPr>
           <a:lstStyle/>
           <a:p>
+            <a:pPr marL="285750" indent="-285750">
+              <a:lnSpc>
+                <a:spcPct val="150000"/>
+              </a:lnSpc>
+              <a:buFont typeface="Arial" panose="020B0604020202020204" pitchFamily="34" charset="0"/>
+              <a:buChar char="•"/>
+            </a:pPr>
+            <a:r>
+              <a:rPr lang="en-US" dirty="0"/>
+              <a:t>Write a Python program that creates a simple number guessing game using a </a:t>
+            </a:r>
             <a:r>
               <a:rPr lang="en-US" dirty="0">
                 <a:solidFill>
                   <a:srgbClr val="FF0000"/>
                 </a:solidFill>
               </a:rPr>
-              <a:t>This prints the multiplication table of 2 up to 10</a:t>
+              <a:t>while loop</a:t>
             </a:r>
             <a:r>
               <a:rPr lang="en-US" dirty="0"/>
-              <a:t>.</a:t>
+              <a:t>. The program should</a:t>
             </a:r>
-            <a:endParaRPr lang="en-US" dirty="0">
-              <a:solidFill>
-                <a:srgbClr val="FF0000"/>
-              </a:solidFill>
-            </a:endParaRPr>
-          </a:p>
-        </p:txBody>
-      </p:sp>
-      <p:pic>
-        <p:nvPicPr>
-          <p:cNvPr id="6" name="Picture 5">
-            <a:extLst>
-              <a:ext uri="{FF2B5EF4-FFF2-40B4-BE49-F238E27FC236}">
-                <a16:creationId xmlns:a16="http://schemas.microsoft.com/office/drawing/2014/main" id="{CB5403C3-E5E3-A754-C4A1-555907F7F821}"/>
-              </a:ext>
-            </a:extLst>
-          </p:cNvPr>
-          <p:cNvPicPr>
-            <a:picLocks noChangeAspect="1"/>
-          </p:cNvPicPr>
-          <p:nvPr/>
-        </p:nvPicPr>
-        <p:blipFill rotWithShape="1">
-          <a:blip r:embed="rId3"/>
-          <a:srcRect r="9885"/>
-          <a:stretch/>
-        </p:blipFill>
-        <p:spPr>
-          <a:xfrm>
-            <a:off x="322490" y="2122640"/>
-            <a:ext cx="6342154" cy="2080109"/>
-          </a:xfrm>
-          <a:prstGeom prst="rect">
-            <a:avLst/>
-          </a:prstGeom>
-        </p:spPr>
-      </p:pic>
-      <p:pic>
-        <p:nvPicPr>
-          <p:cNvPr id="10" name="Picture 9">
-            <a:extLst>
-              <a:ext uri="{FF2B5EF4-FFF2-40B4-BE49-F238E27FC236}">
-                <a16:creationId xmlns:a16="http://schemas.microsoft.com/office/drawing/2014/main" id="{C86C5810-5EF6-AC47-8138-BD9AA90A0799}"/>
-              </a:ext>
-            </a:extLst>
-          </p:cNvPr>
-          <p:cNvPicPr>
-            <a:picLocks noChangeAspect="1"/>
-          </p:cNvPicPr>
-          <p:nvPr/>
-        </p:nvPicPr>
-        <p:blipFill>
-          <a:blip r:embed="rId4"/>
-          <a:stretch>
-            <a:fillRect/>
-          </a:stretch>
-        </p:blipFill>
-        <p:spPr>
-          <a:xfrm>
-            <a:off x="7389541" y="2430419"/>
-            <a:ext cx="1107123" cy="1446731"/>
-          </a:xfrm>
-          <a:prstGeom prst="rect">
-            <a:avLst/>
-          </a:prstGeom>
-        </p:spPr>
-      </p:pic>
-      <p:sp>
-        <p:nvSpPr>
-          <p:cNvPr id="11" name="TextBox 10">
-            <a:extLst>
-              <a:ext uri="{FF2B5EF4-FFF2-40B4-BE49-F238E27FC236}">
-                <a16:creationId xmlns:a16="http://schemas.microsoft.com/office/drawing/2014/main" id="{467AAB24-A7AD-8919-3E19-CEF5BAA084F7}"/>
-              </a:ext>
-            </a:extLst>
-          </p:cNvPr>
-          <p:cNvSpPr txBox="1"/>
-          <p:nvPr/>
-        </p:nvSpPr>
-        <p:spPr>
-          <a:xfrm>
-            <a:off x="1057483" y="4202749"/>
-            <a:ext cx="5465931" cy="646331"/>
-          </a:xfrm>
-          <a:prstGeom prst="rect">
-            <a:avLst/>
-          </a:prstGeom>
-          <a:noFill/>
-        </p:spPr>
-        <p:txBody>
-          <a:bodyPr wrap="square" rtlCol="0">
-            <a:spAutoFit/>
-          </a:bodyPr>
-          <a:lstStyle/>
-          <a:p>
             <a:r>
-              <a:rPr lang="en-US" sz="2000" b="1" dirty="0"/>
-              <a:t>                             Or</a:t>
+              <a:rPr lang="en-US" dirty="0" smtClean="0"/>
+              <a:t>:</a:t>
             </a:r>
           </a:p>
           <a:p>
+            <a:pPr marL="285750" indent="-285750">
+              <a:lnSpc>
+                <a:spcPct val="150000"/>
+              </a:lnSpc>
+              <a:buFont typeface="Arial" panose="020B0604020202020204" pitchFamily="34" charset="0"/>
+              <a:buChar char="•"/>
+            </a:pPr>
             <a:r>
-              <a:rPr lang="en-US" sz="1600" b="0" dirty="0">
+              <a:rPr lang="en-US" dirty="0"/>
+              <a:t>Generate a </a:t>
+            </a:r>
+            <a:r>
+              <a:rPr lang="en-US" dirty="0" smtClean="0"/>
+              <a:t>random integer </a:t>
+            </a:r>
+            <a:r>
+              <a:rPr lang="en-US" dirty="0">
                 <a:solidFill>
                   <a:srgbClr val="FF0000"/>
                 </a:solidFill>
-                <a:effectLst/>
-                <a:latin typeface="Consolas" panose="020B0609020204030204" pitchFamily="49" charset="0"/>
               </a:rPr>
-              <a:t>print(number ,'x', count ,'=',number * count)</a:t>
+              <a:t>between 1 and 100 </a:t>
             </a:r>
+            <a:r>
+              <a:rPr lang="en-US" dirty="0"/>
+              <a:t>(inclusive) that the player needs to guess</a:t>
+            </a:r>
+            <a:r>
+              <a:rPr lang="en-US" dirty="0" smtClean="0"/>
+              <a:t>.</a:t>
+            </a:r>
+            <a:endParaRPr lang="en-US" dirty="0"/>
+          </a:p>
+          <a:p>
+            <a:pPr marL="285750" indent="-285750">
+              <a:lnSpc>
+                <a:spcPct val="150000"/>
+              </a:lnSpc>
+              <a:buFont typeface="Arial" panose="020B0604020202020204" pitchFamily="34" charset="0"/>
+              <a:buChar char="•"/>
+            </a:pPr>
+            <a:r>
+              <a:rPr lang="en-US" dirty="0"/>
+              <a:t>Provide feedback after each </a:t>
+            </a:r>
+            <a:r>
+              <a:rPr lang="en-US" dirty="0" smtClean="0"/>
+              <a:t>guess:</a:t>
+            </a:r>
+          </a:p>
+          <a:p>
+            <a:pPr marL="285750" lvl="3" indent="-285750">
+              <a:lnSpc>
+                <a:spcPct val="150000"/>
+              </a:lnSpc>
+              <a:buFont typeface="Arial" panose="020B0604020202020204" pitchFamily="34" charset="0"/>
+              <a:buChar char="•"/>
+            </a:pPr>
+            <a:r>
+              <a:rPr lang="en-US" dirty="0" smtClean="0"/>
+              <a:t> If </a:t>
+            </a:r>
+            <a:r>
+              <a:rPr lang="en-US" dirty="0"/>
+              <a:t>the guess is too high, display "</a:t>
+            </a:r>
+            <a:r>
+              <a:rPr lang="en-US" dirty="0">
+                <a:solidFill>
+                  <a:srgbClr val="FF0000"/>
+                </a:solidFill>
+              </a:rPr>
+              <a:t>Too high! Try again</a:t>
+            </a:r>
+            <a:r>
+              <a:rPr lang="en-US" dirty="0"/>
+              <a:t>."</a:t>
+            </a:r>
+          </a:p>
+          <a:p>
+            <a:pPr marL="285750" indent="-285750">
+              <a:lnSpc>
+                <a:spcPct val="150000"/>
+              </a:lnSpc>
+              <a:buFont typeface="Arial" panose="020B0604020202020204" pitchFamily="34" charset="0"/>
+              <a:buChar char="•"/>
+            </a:pPr>
+            <a:r>
+              <a:rPr lang="en-US" dirty="0" smtClean="0"/>
+              <a:t> If </a:t>
+            </a:r>
+            <a:r>
+              <a:rPr lang="en-US" dirty="0"/>
+              <a:t>the guess is too low, display "</a:t>
+            </a:r>
+            <a:r>
+              <a:rPr lang="en-US" dirty="0">
+                <a:solidFill>
+                  <a:srgbClr val="FF0000"/>
+                </a:solidFill>
+              </a:rPr>
+              <a:t>Too low! Try again</a:t>
+            </a:r>
+            <a:r>
+              <a:rPr lang="en-US" dirty="0"/>
+              <a:t>."</a:t>
+            </a:r>
+          </a:p>
+          <a:p>
+            <a:pPr marL="285750" lvl="4" indent="-285750">
+              <a:lnSpc>
+                <a:spcPct val="150000"/>
+              </a:lnSpc>
+              <a:buFont typeface="Arial" panose="020B0604020202020204" pitchFamily="34" charset="0"/>
+              <a:buChar char="•"/>
+            </a:pPr>
+            <a:endParaRPr lang="en-US" dirty="0"/>
+          </a:p>
+          <a:p>
+            <a:pPr marL="285750" indent="-285750">
+              <a:lnSpc>
+                <a:spcPct val="150000"/>
+              </a:lnSpc>
+              <a:buFont typeface="Arial" panose="020B0604020202020204" pitchFamily="34" charset="0"/>
+              <a:buChar char="•"/>
+            </a:pPr>
+            <a:endParaRPr lang="en-US" dirty="0"/>
           </a:p>
         </p:txBody>
       </p:sp>
@@ -38211,7 +38359,7 @@
 </p:sld>
 </file>
 
-<file path=ppt/slides/slide24.xml><?xml version="1.0" encoding="utf-8"?>
+<file path=ppt/slides/slide25.xml><?xml version="1.0" encoding="utf-8"?>
 <p:sld xmlns:a="http://schemas.openxmlformats.org/drawingml/2006/main" xmlns:r="http://schemas.openxmlformats.org/officeDocument/2006/relationships" xmlns:p="http://schemas.openxmlformats.org/presentationml/2006/main">
   <p:cSld>
     <p:spTree>
@@ -38499,7 +38647,7 @@
 </p:sld>
 </file>
 
-<file path=ppt/slides/slide25.xml><?xml version="1.0" encoding="utf-8"?>
+<file path=ppt/slides/slide26.xml><?xml version="1.0" encoding="utf-8"?>
 <p:sld xmlns:a="http://schemas.openxmlformats.org/drawingml/2006/main" xmlns:r="http://schemas.openxmlformats.org/officeDocument/2006/relationships" xmlns:p="http://schemas.openxmlformats.org/presentationml/2006/main">
   <p:cSld>
     <p:spTree>
@@ -38802,7 +38950,7 @@
 </p:sld>
 </file>
 
-<file path=ppt/slides/slide26.xml><?xml version="1.0" encoding="utf-8"?>
+<file path=ppt/slides/slide27.xml><?xml version="1.0" encoding="utf-8"?>
 <p:sld xmlns:a="http://schemas.openxmlformats.org/drawingml/2006/main" xmlns:r="http://schemas.openxmlformats.org/officeDocument/2006/relationships" xmlns:p="http://schemas.openxmlformats.org/presentationml/2006/main" showMasterSp="0">
   <p:cSld>
     <p:spTree>
@@ -49260,16 +49408,166 @@
           <a:lstStyle/>
           <a:p>
             <a:r>
-              <a:rPr lang="en-US" b="1" dirty="0" err="1"/>
-              <a:t>wizard_list</a:t>
+              <a:rPr lang="en-US" b="1" dirty="0" err="1" smtClean="0"/>
+              <a:t>my_list</a:t>
+            </a:r>
+            <a:r>
+              <a:rPr lang="en-US" b="1" dirty="0" smtClean="0"/>
+              <a:t> </a:t>
             </a:r>
             <a:r>
               <a:rPr lang="en-US" b="1" dirty="0"/>
-              <a:t> = ['spider legs', 'toe of frog', 'snail tongue', 'bat wing', 'slug butter’,   'bear burp']</a:t>
+              <a:t>= </a:t>
             </a:r>
+            <a:r>
+              <a:rPr lang="en-US" b="1" dirty="0" smtClean="0"/>
+              <a:t>[‘apple', ‘orange', ‘banana', ‘kiwi', ‘mango’]</a:t>
+            </a:r>
+            <a:endParaRPr lang="en-US" b="1" dirty="0"/>
           </a:p>
         </p:txBody>
       </p:sp>
+      <p:sp>
+        <p:nvSpPr>
+          <p:cNvPr id="5" name="TextBox 4"/>
+          <p:cNvSpPr txBox="1"/>
+          <p:nvPr/>
+        </p:nvSpPr>
+        <p:spPr>
+          <a:xfrm>
+            <a:off x="498087" y="2623279"/>
+            <a:ext cx="1677062" cy="1021883"/>
+          </a:xfrm>
+          <a:prstGeom prst="rect">
+            <a:avLst/>
+          </a:prstGeom>
+          <a:noFill/>
+          <a:ln w="12700">
+            <a:solidFill>
+              <a:schemeClr val="accent2"/>
+            </a:solidFill>
+          </a:ln>
+        </p:spPr>
+        <p:txBody>
+          <a:bodyPr wrap="none" rtlCol="0">
+            <a:spAutoFit/>
+          </a:bodyPr>
+          <a:lstStyle/>
+          <a:p>
+            <a:pPr fontAlgn="base">
+              <a:lnSpc>
+                <a:spcPct val="150000"/>
+              </a:lnSpc>
+            </a:pPr>
+            <a:r>
+              <a:rPr lang="en-US" dirty="0"/>
+              <a:t>for item in </a:t>
+            </a:r>
+            <a:r>
+              <a:rPr lang="en-US" dirty="0" err="1" smtClean="0"/>
+              <a:t>my_list</a:t>
+            </a:r>
+            <a:r>
+              <a:rPr lang="en-US" dirty="0"/>
+              <a:t>: </a:t>
+            </a:r>
+          </a:p>
+          <a:p>
+            <a:pPr fontAlgn="base">
+              <a:lnSpc>
+                <a:spcPct val="150000"/>
+              </a:lnSpc>
+            </a:pPr>
+            <a:r>
+              <a:rPr lang="en-US" dirty="0"/>
+              <a:t>    </a:t>
+            </a:r>
+            <a:r>
+              <a:rPr lang="en-US" dirty="0" smtClean="0"/>
+              <a:t>print(item)</a:t>
+            </a:r>
+            <a:r>
+              <a:rPr lang="en-US" dirty="0"/>
+              <a:t> </a:t>
+            </a:r>
+          </a:p>
+          <a:p>
+            <a:pPr>
+              <a:lnSpc>
+                <a:spcPct val="150000"/>
+              </a:lnSpc>
+            </a:pPr>
+            <a:endParaRPr lang="en-US" dirty="0"/>
+          </a:p>
+        </p:txBody>
+      </p:sp>
+      <p:sp>
+        <p:nvSpPr>
+          <p:cNvPr id="6" name="Right Arrow 5"/>
+          <p:cNvSpPr/>
+          <p:nvPr/>
+        </p:nvSpPr>
+        <p:spPr>
+          <a:xfrm>
+            <a:off x="2398426" y="3065489"/>
+            <a:ext cx="479685" cy="292308"/>
+          </a:xfrm>
+          <a:prstGeom prst="rightArrow">
+            <a:avLst/>
+          </a:prstGeom>
+          <a:solidFill>
+            <a:schemeClr val="accent2"/>
+          </a:solidFill>
+        </p:spPr>
+        <p:style>
+          <a:lnRef idx="2">
+            <a:schemeClr val="accent1">
+              <a:shade val="50000"/>
+            </a:schemeClr>
+          </a:lnRef>
+          <a:fillRef idx="1">
+            <a:schemeClr val="accent1"/>
+          </a:fillRef>
+          <a:effectRef idx="0">
+            <a:schemeClr val="accent1"/>
+          </a:effectRef>
+          <a:fontRef idx="minor">
+            <a:schemeClr val="lt1"/>
+          </a:fontRef>
+        </p:style>
+        <p:txBody>
+          <a:bodyPr rtlCol="0" anchor="ctr"/>
+          <a:lstStyle/>
+          <a:p>
+            <a:pPr algn="ctr"/>
+            <a:endParaRPr lang="en-US"/>
+          </a:p>
+        </p:txBody>
+      </p:sp>
+      <p:pic>
+        <p:nvPicPr>
+          <p:cNvPr id="8" name="Picture 7"/>
+          <p:cNvPicPr>
+            <a:picLocks noChangeAspect="1"/>
+          </p:cNvPicPr>
+          <p:nvPr/>
+        </p:nvPicPr>
+        <p:blipFill>
+          <a:blip r:embed="rId3"/>
+          <a:stretch>
+            <a:fillRect/>
+          </a:stretch>
+        </p:blipFill>
+        <p:spPr>
+          <a:xfrm>
+            <a:off x="3352283" y="2481666"/>
+            <a:ext cx="2934109" cy="1305107"/>
+          </a:xfrm>
+          <a:prstGeom prst="rect">
+            <a:avLst/>
+          </a:prstGeom>
+        </p:spPr>
+      </p:pic>
     </p:spTree>
     <p:extLst>
       <p:ext uri="{BB962C8B-B14F-4D97-AF65-F5344CB8AC3E}">
